--- a/CCSC-MW Fall 2021.pptx
+++ b/CCSC-MW Fall 2021.pptx
@@ -5,15 +5,15 @@
     <p:sldMasterId id="2147483648" r:id="rId1"/>
   </p:sldMasterIdLst>
   <p:notesMasterIdLst>
-    <p:notesMasterId r:id="rId37"/>
+    <p:notesMasterId r:id="rId40"/>
   </p:notesMasterIdLst>
   <p:sldIdLst>
     <p:sldId id="271" r:id="rId2"/>
     <p:sldId id="282" r:id="rId3"/>
     <p:sldId id="301" r:id="rId4"/>
     <p:sldId id="275" r:id="rId5"/>
-    <p:sldId id="303" r:id="rId6"/>
-    <p:sldId id="302" r:id="rId7"/>
+    <p:sldId id="302" r:id="rId6"/>
+    <p:sldId id="303" r:id="rId7"/>
     <p:sldId id="284" r:id="rId8"/>
     <p:sldId id="286" r:id="rId9"/>
     <p:sldId id="288" r:id="rId10"/>
@@ -40,9 +40,12 @@
     <p:sldId id="294" r:id="rId31"/>
     <p:sldId id="295" r:id="rId32"/>
     <p:sldId id="296" r:id="rId33"/>
-    <p:sldId id="297" r:id="rId34"/>
-    <p:sldId id="289" r:id="rId35"/>
-    <p:sldId id="285" r:id="rId36"/>
+    <p:sldId id="311" r:id="rId34"/>
+    <p:sldId id="312" r:id="rId35"/>
+    <p:sldId id="297" r:id="rId36"/>
+    <p:sldId id="289" r:id="rId37"/>
+    <p:sldId id="310" r:id="rId38"/>
+    <p:sldId id="285" r:id="rId39"/>
   </p:sldIdLst>
   <p:sldSz cx="12192000" cy="6858000"/>
   <p:notesSz cx="6858000" cy="9144000"/>
@@ -832,6 +835,93 @@
     <p:extLst>
       <p:ext uri="{BB962C8B-B14F-4D97-AF65-F5344CB8AC3E}">
         <p14:creationId xmlns:p14="http://schemas.microsoft.com/office/powerpoint/2010/main" val="2551143944"/>
+      </p:ext>
+    </p:extLst>
+  </p:cSld>
+  <p:clrMapOvr>
+    <a:masterClrMapping/>
+  </p:clrMapOvr>
+</p:notes>
+</file>
+
+<file path=ppt/notesSlides/notesSlide5.xml><?xml version="1.0" encoding="utf-8"?>
+<p:notes xmlns:a="http://schemas.openxmlformats.org/drawingml/2006/main" xmlns:r="http://schemas.openxmlformats.org/officeDocument/2006/relationships" xmlns:p="http://schemas.openxmlformats.org/presentationml/2006/main">
+  <p:cSld>
+    <p:spTree>
+      <p:nvGrpSpPr>
+        <p:cNvPr id="1" name=""/>
+        <p:cNvGrpSpPr/>
+        <p:nvPr/>
+      </p:nvGrpSpPr>
+      <p:grpSpPr>
+        <a:xfrm>
+          <a:off x="0" y="0"/>
+          <a:ext cx="0" cy="0"/>
+          <a:chOff x="0" y="0"/>
+          <a:chExt cx="0" cy="0"/>
+        </a:xfrm>
+      </p:grpSpPr>
+      <p:sp>
+        <p:nvSpPr>
+          <p:cNvPr id="2" name="Slide Image Placeholder 1"/>
+          <p:cNvSpPr>
+            <a:spLocks noGrp="1" noRot="1" noChangeAspect="1"/>
+          </p:cNvSpPr>
+          <p:nvPr>
+            <p:ph type="sldImg"/>
+          </p:nvPr>
+        </p:nvSpPr>
+        <p:spPr/>
+      </p:sp>
+      <p:sp>
+        <p:nvSpPr>
+          <p:cNvPr id="3" name="Notes Placeholder 2"/>
+          <p:cNvSpPr>
+            <a:spLocks noGrp="1"/>
+          </p:cNvSpPr>
+          <p:nvPr>
+            <p:ph type="body" idx="1"/>
+          </p:nvPr>
+        </p:nvSpPr>
+        <p:spPr/>
+        <p:txBody>
+          <a:bodyPr/>
+          <a:lstStyle/>
+          <a:p>
+            <a:r>
+              <a:rPr lang="en-US"/>
+              <a:t>See .zip files in the repo: JavaBenchmark.zip, PythonBenchmark.zip</a:t>
+            </a:r>
+          </a:p>
+        </p:txBody>
+      </p:sp>
+      <p:sp>
+        <p:nvSpPr>
+          <p:cNvPr id="4" name="Slide Number Placeholder 3"/>
+          <p:cNvSpPr>
+            <a:spLocks noGrp="1"/>
+          </p:cNvSpPr>
+          <p:nvPr>
+            <p:ph type="sldNum" sz="quarter" idx="5"/>
+          </p:nvPr>
+        </p:nvSpPr>
+        <p:spPr/>
+        <p:txBody>
+          <a:bodyPr/>
+          <a:lstStyle/>
+          <a:p>
+            <a:fld id="{0B59D44D-DEF6-4596-9DE2-E21CDB0DAB48}" type="slidenum">
+              <a:rPr lang="en-US" smtClean="0"/>
+              <a:t>36</a:t>
+            </a:fld>
+            <a:endParaRPr lang="en-US" dirty="0"/>
+          </a:p>
+        </p:txBody>
+      </p:sp>
+    </p:spTree>
+    <p:extLst>
+      <p:ext uri="{BB962C8B-B14F-4D97-AF65-F5344CB8AC3E}">
+        <p14:creationId xmlns:p14="http://schemas.microsoft.com/office/powerpoint/2010/main" val="1497152987"/>
       </p:ext>
     </p:extLst>
   </p:cSld>
@@ -9410,14 +9500,14 @@
           <p:nvPr>
             <p:extLst>
               <p:ext uri="{D42A27DB-BD31-4B8C-83A1-F6EECF244321}">
-                <p14:modId xmlns:p14="http://schemas.microsoft.com/office/powerpoint/2010/main" val="827033341"/>
+                <p14:modId xmlns:p14="http://schemas.microsoft.com/office/powerpoint/2010/main" val="3256752566"/>
               </p:ext>
             </p:extLst>
           </p:nvPr>
         </p:nvGraphicFramePr>
         <p:xfrm>
           <a:off x="1821206" y="1878895"/>
-          <a:ext cx="8128000" cy="2804160"/>
+          <a:ext cx="8128000" cy="3187037"/>
         </p:xfrm>
         <a:graphic>
           <a:graphicData uri="http://schemas.openxmlformats.org/drawingml/2006/table">
@@ -9722,7 +9812,7 @@
                   </a:ext>
                 </a:extLst>
               </a:tr>
-              <a:tr h="370840">
+              <a:tr h="382877">
                 <a:tc>
                   <a:txBody>
                     <a:bodyPr/>
@@ -9769,6 +9859,64 @@
                 <a:extLst>
                   <a:ext uri="{0D108BD9-81ED-4DB2-BD59-A6C34878D82A}">
                     <a16:rowId xmlns:a16="http://schemas.microsoft.com/office/drawing/2014/main" val="3872060951"/>
+                  </a:ext>
+                </a:extLst>
+              </a:tr>
+              <a:tr h="370840">
+                <a:tc>
+                  <a:txBody>
+                    <a:bodyPr/>
+                    <a:lstStyle/>
+                    <a:p>
+                      <a:r>
+                        <a:rPr lang="en-US" dirty="0"/>
+                        <a:t>Iterate</a:t>
+                      </a:r>
+                    </a:p>
+                  </a:txBody>
+                  <a:tcPr/>
+                </a:tc>
+                <a:tc>
+                  <a:txBody>
+                    <a:bodyPr/>
+                    <a:lstStyle/>
+                    <a:p>
+                      <a:pPr marL="0" marR="0" lvl="0" indent="0" algn="l" defTabSz="914400" rtl="0" eaLnBrk="1" fontAlgn="auto" latinLnBrk="0" hangingPunct="1">
+                        <a:lnSpc>
+                          <a:spcPct val="100000"/>
+                        </a:lnSpc>
+                        <a:spcBef>
+                          <a:spcPts val="0"/>
+                        </a:spcBef>
+                        <a:spcAft>
+                          <a:spcPts val="0"/>
+                        </a:spcAft>
+                        <a:buClrTx/>
+                        <a:buSzTx/>
+                        <a:buFontTx/>
+                        <a:buNone/>
+                        <a:tabLst/>
+                        <a:defRPr/>
+                      </a:pPr>
+                      <a:r>
+                        <a:rPr lang="en-US" dirty="0"/>
+                        <a:t>for element </a:t>
+                      </a:r>
+                      <a:r>
+                        <a:rPr lang="en-US"/>
+                        <a:t>in myTuple: </a:t>
+                      </a:r>
+                      <a:r>
+                        <a:rPr lang="en-US" dirty="0"/>
+                        <a:t>print(element)</a:t>
+                      </a:r>
+                    </a:p>
+                  </a:txBody>
+                  <a:tcPr/>
+                </a:tc>
+                <a:extLst>
+                  <a:ext uri="{0D108BD9-81ED-4DB2-BD59-A6C34878D82A}">
+                    <a16:rowId xmlns:a16="http://schemas.microsoft.com/office/drawing/2014/main" val="3160049977"/>
                   </a:ext>
                 </a:extLst>
               </a:tr>
@@ -10695,14 +10843,14 @@
           <p:nvPr>
             <p:extLst>
               <p:ext uri="{D42A27DB-BD31-4B8C-83A1-F6EECF244321}">
-                <p14:modId xmlns:p14="http://schemas.microsoft.com/office/powerpoint/2010/main" val="563659823"/>
+                <p14:modId xmlns:p14="http://schemas.microsoft.com/office/powerpoint/2010/main" val="2228283796"/>
               </p:ext>
             </p:extLst>
           </p:nvPr>
         </p:nvGraphicFramePr>
         <p:xfrm>
           <a:off x="1821206" y="1878895"/>
-          <a:ext cx="8128000" cy="2804160"/>
+          <a:ext cx="8128000" cy="3175000"/>
         </p:xfrm>
         <a:graphic>
           <a:graphicData uri="http://schemas.openxmlformats.org/drawingml/2006/table">
@@ -11054,6 +11202,64 @@
                 <a:extLst>
                   <a:ext uri="{0D108BD9-81ED-4DB2-BD59-A6C34878D82A}">
                     <a16:rowId xmlns:a16="http://schemas.microsoft.com/office/drawing/2014/main" val="3872060951"/>
+                  </a:ext>
+                </a:extLst>
+              </a:tr>
+              <a:tr h="370840">
+                <a:tc>
+                  <a:txBody>
+                    <a:bodyPr/>
+                    <a:lstStyle/>
+                    <a:p>
+                      <a:r>
+                        <a:rPr lang="en-US" dirty="0"/>
+                        <a:t>Iterate</a:t>
+                      </a:r>
+                    </a:p>
+                  </a:txBody>
+                  <a:tcPr/>
+                </a:tc>
+                <a:tc>
+                  <a:txBody>
+                    <a:bodyPr/>
+                    <a:lstStyle/>
+                    <a:p>
+                      <a:pPr marL="0" marR="0" lvl="0" indent="0" algn="l" defTabSz="914400" rtl="0" eaLnBrk="1" fontAlgn="auto" latinLnBrk="0" hangingPunct="1">
+                        <a:lnSpc>
+                          <a:spcPct val="100000"/>
+                        </a:lnSpc>
+                        <a:spcBef>
+                          <a:spcPts val="0"/>
+                        </a:spcBef>
+                        <a:spcAft>
+                          <a:spcPts val="0"/>
+                        </a:spcAft>
+                        <a:buClrTx/>
+                        <a:buSzTx/>
+                        <a:buFontTx/>
+                        <a:buNone/>
+                        <a:tabLst/>
+                        <a:defRPr/>
+                      </a:pPr>
+                      <a:r>
+                        <a:rPr lang="en-US" dirty="0"/>
+                        <a:t>for element </a:t>
+                      </a:r>
+                      <a:r>
+                        <a:rPr lang="en-US"/>
+                        <a:t>in mySet: </a:t>
+                      </a:r>
+                      <a:r>
+                        <a:rPr lang="en-US" dirty="0"/>
+                        <a:t>print(element)</a:t>
+                      </a:r>
+                    </a:p>
+                  </a:txBody>
+                  <a:tcPr/>
+                </a:tc>
+                <a:extLst>
+                  <a:ext uri="{0D108BD9-81ED-4DB2-BD59-A6C34878D82A}">
+                    <a16:rowId xmlns:a16="http://schemas.microsoft.com/office/drawing/2014/main" val="349920713"/>
                   </a:ext>
                 </a:extLst>
               </a:tr>
@@ -13674,6 +13880,14 @@
 <file path=ppt/slides/slide3.xml><?xml version="1.0" encoding="utf-8"?>
 <p:sld xmlns:a="http://schemas.openxmlformats.org/drawingml/2006/main" xmlns:r="http://schemas.openxmlformats.org/officeDocument/2006/relationships" xmlns:p="http://schemas.openxmlformats.org/presentationml/2006/main">
   <p:cSld>
+    <p:bg>
+      <p:bgPr>
+        <a:solidFill>
+          <a:schemeClr val="bg1"/>
+        </a:solidFill>
+        <a:effectLst/>
+      </p:bgPr>
+    </p:bg>
     <p:spTree>
       <p:nvGrpSpPr>
         <p:cNvPr id="1" name=""/>
@@ -13688,6 +13902,66 @@
           <a:chExt cx="0" cy="0"/>
         </a:xfrm>
       </p:grpSpPr>
+      <p:sp useBgFill="1">
+        <p:nvSpPr>
+          <p:cNvPr id="12" name="Rectangle 11">
+            <a:extLst>
+              <a:ext uri="{FF2B5EF4-FFF2-40B4-BE49-F238E27FC236}">
+                <a16:creationId xmlns:a16="http://schemas.microsoft.com/office/drawing/2014/main" id="{D2B783EE-0239-4717-BBEA-8C9EAC61C824}"/>
+              </a:ext>
+              <a:ext uri="{C183D7F6-B498-43B3-948B-1728B52AA6E4}">
+                <adec:decorative xmlns:adec="http://schemas.microsoft.com/office/drawing/2017/decorative" val="1"/>
+              </a:ext>
+            </a:extLst>
+          </p:cNvPr>
+          <p:cNvSpPr>
+            <a:spLocks noGrp="1" noRot="1" noChangeAspect="1" noMove="1" noResize="1" noEditPoints="1" noAdjustHandles="1" noChangeArrowheads="1" noChangeShapeType="1" noTextEdit="1"/>
+          </p:cNvSpPr>
+          <p:nvPr>
+            <p:extLst>
+              <p:ext uri="{386F3935-93C4-4BCD-93E2-E3B085C9AB24}">
+                <p16:designElem xmlns:p16="http://schemas.microsoft.com/office/powerpoint/2015/main" val="1"/>
+              </p:ext>
+            </p:extLst>
+          </p:nvPr>
+        </p:nvSpPr>
+        <p:spPr>
+          <a:xfrm>
+            <a:off x="0" y="0"/>
+            <a:ext cx="12192000" cy="6858000"/>
+          </a:xfrm>
+          <a:prstGeom prst="rect">
+            <a:avLst/>
+          </a:prstGeom>
+          <a:ln>
+            <a:noFill/>
+          </a:ln>
+        </p:spPr>
+        <p:style>
+          <a:lnRef idx="2">
+            <a:schemeClr val="accent1">
+              <a:shade val="50000"/>
+            </a:schemeClr>
+          </a:lnRef>
+          <a:fillRef idx="1">
+            <a:schemeClr val="accent1"/>
+          </a:fillRef>
+          <a:effectRef idx="0">
+            <a:schemeClr val="accent1"/>
+          </a:effectRef>
+          <a:fontRef idx="minor">
+            <a:schemeClr val="lt1"/>
+          </a:fontRef>
+        </p:style>
+        <p:txBody>
+          <a:bodyPr rtlCol="0" anchor="ctr"/>
+          <a:lstStyle/>
+          <a:p>
+            <a:pPr algn="ctr"/>
+            <a:endParaRPr lang="en-US"/>
+          </a:p>
+        </p:txBody>
+      </p:sp>
       <p:sp>
         <p:nvSpPr>
           <p:cNvPr id="2" name="Title 1">
@@ -13704,9 +13978,16 @@
             <p:ph type="title"/>
           </p:nvPr>
         </p:nvSpPr>
-        <p:spPr/>
+        <p:spPr>
+          <a:xfrm>
+            <a:off x="838201" y="345810"/>
+            <a:ext cx="5120561" cy="1325563"/>
+          </a:xfrm>
+        </p:spPr>
         <p:txBody>
-          <a:bodyPr/>
+          <a:bodyPr>
+            <a:normAutofit/>
+          </a:bodyPr>
           <a:lstStyle/>
           <a:p>
             <a:r>
@@ -13734,45 +14015,154 @@
         </p:nvSpPr>
         <p:spPr>
           <a:xfrm>
-            <a:off x="838199" y="1825625"/>
-            <a:ext cx="10747159" cy="4351338"/>
+            <a:off x="580737" y="1825624"/>
+            <a:ext cx="5648324" cy="4351338"/>
           </a:xfrm>
         </p:spPr>
         <p:txBody>
-          <a:bodyPr/>
+          <a:bodyPr>
+            <a:normAutofit/>
+          </a:bodyPr>
           <a:lstStyle/>
           <a:p>
             <a:r>
-              <a:rPr lang="en-US" dirty="0"/>
-              <a:t>Associate Professor Educator, </a:t>
-            </a:r>
-          </a:p>
-          <a:p>
-            <a:r>
-              <a:rPr lang="en-US" dirty="0"/>
+              <a:rPr lang="en-US" sz="2400" dirty="0"/>
+              <a:t>Associate </a:t>
+            </a:r>
+            <a:r>
+              <a:rPr lang="en-US" sz="2400"/>
+              <a:t>Professor Educator</a:t>
+            </a:r>
+          </a:p>
+          <a:p>
+            <a:r>
+              <a:rPr lang="en-US" sz="2400"/>
               <a:t>University of Cincinnati Clermont College </a:t>
             </a:r>
           </a:p>
           <a:p>
             <a:r>
-              <a:rPr lang="en-US" dirty="0"/>
-              <a:t>Information Technology Program</a:t>
-            </a:r>
-            <a:endParaRPr lang="en-US" dirty="0">
+              <a:rPr lang="en-US" sz="2400"/>
+              <a:t>Java programmer, Python learner</a:t>
+            </a:r>
+            <a:endParaRPr lang="en-US" sz="2400" dirty="0"/>
+          </a:p>
+          <a:p>
+            <a:r>
+              <a:rPr lang="en-US" sz="2400"/>
+              <a:t>Information </a:t>
+            </a:r>
+            <a:r>
+              <a:rPr lang="en-US" sz="2400" dirty="0"/>
+              <a:t>Technology Program</a:t>
+            </a:r>
+            <a:endParaRPr lang="en-US" sz="2400" dirty="0">
               <a:hlinkClick r:id="rId2"/>
             </a:endParaRPr>
           </a:p>
           <a:p>
             <a:r>
-              <a:rPr lang="en-US" dirty="0"/>
+              <a:rPr lang="en-US" sz="2400" dirty="0"/>
               <a:t>nicholdw@ucmail.uc.edu</a:t>
             </a:r>
           </a:p>
           <a:p>
             <a:r>
-              <a:rPr lang="en-US" dirty="0"/>
+              <a:rPr lang="en-US" sz="2400" dirty="0"/>
               <a:t>IU Fan. </a:t>
             </a:r>
+          </a:p>
+        </p:txBody>
+      </p:sp>
+      <p:sp>
+        <p:nvSpPr>
+          <p:cNvPr id="14" name="Oval 13">
+            <a:extLst>
+              <a:ext uri="{FF2B5EF4-FFF2-40B4-BE49-F238E27FC236}">
+                <a16:creationId xmlns:a16="http://schemas.microsoft.com/office/drawing/2014/main" id="{A7B99495-F43F-4D80-A44F-2CB4764EB90B}"/>
+              </a:ext>
+              <a:ext uri="{C183D7F6-B498-43B3-948B-1728B52AA6E4}">
+                <adec:decorative xmlns:adec="http://schemas.microsoft.com/office/drawing/2017/decorative" val="1"/>
+              </a:ext>
+            </a:extLst>
+          </p:cNvPr>
+          <p:cNvSpPr>
+            <a:spLocks noGrp="1" noRot="1" noChangeAspect="1" noMove="1" noResize="1" noEditPoints="1" noAdjustHandles="1" noChangeArrowheads="1" noChangeShapeType="1" noTextEdit="1"/>
+          </p:cNvSpPr>
+          <p:nvPr>
+            <p:extLst>
+              <p:ext uri="{386F3935-93C4-4BCD-93E2-E3B085C9AB24}">
+                <p16:designElem xmlns:p16="http://schemas.microsoft.com/office/powerpoint/2015/main" val="1"/>
+              </p:ext>
+            </p:extLst>
+          </p:nvPr>
+        </p:nvSpPr>
+        <p:spPr>
+          <a:xfrm>
+            <a:off x="10420569" y="1364732"/>
+            <a:ext cx="947488" cy="921785"/>
+          </a:xfrm>
+          <a:prstGeom prst="ellipse">
+            <a:avLst/>
+          </a:prstGeom>
+          <a:solidFill>
+            <a:schemeClr val="accent2"/>
+          </a:solidFill>
+          <a:ln>
+            <a:noFill/>
+          </a:ln>
+        </p:spPr>
+        <p:style>
+          <a:lnRef idx="2">
+            <a:schemeClr val="accent1">
+              <a:shade val="50000"/>
+            </a:schemeClr>
+          </a:lnRef>
+          <a:fillRef idx="1">
+            <a:schemeClr val="accent1"/>
+          </a:fillRef>
+          <a:effectRef idx="0">
+            <a:schemeClr val="accent1"/>
+          </a:effectRef>
+          <a:fontRef idx="minor">
+            <a:schemeClr val="lt1"/>
+          </a:fontRef>
+        </p:style>
+        <p:txBody>
+          <a:bodyPr rtlCol="0" anchor="ctr"/>
+          <a:lstStyle/>
+          <a:p>
+            <a:pPr marL="0" marR="0" lvl="0" indent="0" algn="ctr" defTabSz="914400" rtl="0" eaLnBrk="1" fontAlgn="auto" latinLnBrk="0" hangingPunct="1">
+              <a:lnSpc>
+                <a:spcPct val="100000"/>
+              </a:lnSpc>
+              <a:spcBef>
+                <a:spcPts val="0"/>
+              </a:spcBef>
+              <a:spcAft>
+                <a:spcPts val="0"/>
+              </a:spcAft>
+              <a:buClrTx/>
+              <a:buSzTx/>
+              <a:buFontTx/>
+              <a:buNone/>
+              <a:tabLst/>
+              <a:defRPr/>
+            </a:pPr>
+            <a:endParaRPr kumimoji="0" lang="en-US" sz="1800" b="0" i="0" u="none" strike="noStrike" kern="1200" cap="none" spc="0" normalizeH="0" baseline="0" noProof="0">
+              <a:ln>
+                <a:noFill/>
+              </a:ln>
+              <a:solidFill>
+                <a:srgbClr val="FFFFFF"/>
+              </a:solidFill>
+              <a:effectLst/>
+              <a:uLnTx/>
+              <a:uFillTx/>
+              <a:latin typeface="Calibri" panose="020F0502020204030204"/>
+              <a:ea typeface="+mn-ea"/>
+              <a:cs typeface="+mn-cs"/>
+            </a:endParaRPr>
           </a:p>
         </p:txBody>
       </p:sp>
@@ -13790,7 +14180,7 @@
           </p:cNvPicPr>
           <p:nvPr/>
         </p:nvPicPr>
-        <p:blipFill>
+        <p:blipFill rotWithShape="1">
           <a:blip r:embed="rId3">
             <a:extLst>
               <a:ext uri="{28A0092B-C50C-407E-A947-70E740481C1C}">
@@ -13798,18 +14188,187 @@
               </a:ext>
             </a:extLst>
           </a:blip>
-          <a:stretch>
-            <a:fillRect/>
-          </a:stretch>
+          <a:srcRect t="1844" r="2" b="32219"/>
+          <a:stretch/>
         </p:blipFill>
         <p:spPr>
           <a:xfrm>
-            <a:off x="2236670" y="3891749"/>
-            <a:ext cx="1175081" cy="1713184"/>
+            <a:off x="8933788" y="3685897"/>
+            <a:ext cx="3295346" cy="3172103"/>
           </a:xfrm>
-          <a:prstGeom prst="rect">
+          <a:custGeom>
             <a:avLst/>
+            <a:gdLst/>
+            <a:ahLst/>
+            <a:cxnLst/>
+            <a:rect l="l" t="t" r="r" b="b"/>
+            <a:pathLst>
+              <a:path w="4290741" h="4130271">
+                <a:moveTo>
+                  <a:pt x="2503809" y="0"/>
+                </a:moveTo>
+                <a:cubicBezTo>
+                  <a:pt x="3157405" y="0"/>
+                  <a:pt x="3752509" y="250434"/>
+                  <a:pt x="4198398" y="660580"/>
+                </a:cubicBezTo>
+                <a:lnTo>
+                  <a:pt x="4290741" y="751286"/>
+                </a:lnTo>
+                <a:lnTo>
+                  <a:pt x="4290741" y="4130271"/>
+                </a:lnTo>
+                <a:lnTo>
+                  <a:pt x="604508" y="4130271"/>
+                </a:lnTo>
+                <a:lnTo>
+                  <a:pt x="461940" y="3953232"/>
+                </a:lnTo>
+                <a:cubicBezTo>
+                  <a:pt x="171051" y="3544183"/>
+                  <a:pt x="0" y="3043971"/>
+                  <a:pt x="0" y="2503809"/>
+                </a:cubicBezTo>
+                <a:cubicBezTo>
+                  <a:pt x="0" y="1120992"/>
+                  <a:pt x="1120992" y="0"/>
+                  <a:pt x="2503809" y="0"/>
+                </a:cubicBezTo>
+                <a:close/>
+              </a:path>
+            </a:pathLst>
+          </a:custGeom>
+        </p:spPr>
+      </p:pic>
+      <p:sp>
+        <p:nvSpPr>
+          <p:cNvPr id="16" name="Arc 15">
+            <a:extLst>
+              <a:ext uri="{FF2B5EF4-FFF2-40B4-BE49-F238E27FC236}">
+                <a16:creationId xmlns:a16="http://schemas.microsoft.com/office/drawing/2014/main" id="{70BEB1E7-2F88-40BC-B73D-42E5B6F80BFC}"/>
+              </a:ext>
+              <a:ext uri="{C183D7F6-B498-43B3-948B-1728B52AA6E4}">
+                <adec:decorative xmlns:adec="http://schemas.microsoft.com/office/drawing/2017/decorative" val="1"/>
+              </a:ext>
+            </a:extLst>
+          </p:cNvPr>
+          <p:cNvSpPr>
+            <a:spLocks noGrp="1" noRot="1" noChangeAspect="1" noMove="1" noResize="1" noEditPoints="1" noAdjustHandles="1" noChangeArrowheads="1" noChangeShapeType="1" noTextEdit="1"/>
+          </p:cNvSpPr>
+          <p:nvPr>
+            <p:extLst>
+              <p:ext uri="{386F3935-93C4-4BCD-93E2-E3B085C9AB24}">
+                <p16:designElem xmlns:p16="http://schemas.microsoft.com/office/powerpoint/2015/main" val="1"/>
+              </p:ext>
+            </p:extLst>
+          </p:nvPr>
+        </p:nvSpPr>
+        <p:spPr>
+          <a:xfrm rot="4759070" flipV="1">
+            <a:off x="6034138" y="-673140"/>
+            <a:ext cx="4021193" cy="4021193"/>
+          </a:xfrm>
+          <a:prstGeom prst="arc">
+            <a:avLst>
+              <a:gd name="adj1" fmla="val 16200000"/>
+              <a:gd name="adj2" fmla="val 20093138"/>
+            </a:avLst>
           </a:prstGeom>
+          <a:ln w="127000" cap="rnd">
+            <a:solidFill>
+              <a:schemeClr val="accent4"/>
+            </a:solidFill>
+            <a:prstDash val="dash"/>
+          </a:ln>
+        </p:spPr>
+        <p:style>
+          <a:lnRef idx="1">
+            <a:schemeClr val="accent1"/>
+          </a:lnRef>
+          <a:fillRef idx="0">
+            <a:schemeClr val="accent1"/>
+          </a:fillRef>
+          <a:effectRef idx="0">
+            <a:schemeClr val="accent1"/>
+          </a:effectRef>
+          <a:fontRef idx="minor">
+            <a:schemeClr val="tx1"/>
+          </a:fontRef>
+        </p:style>
+        <p:txBody>
+          <a:bodyPr rtlCol="0" anchor="ctr"/>
+          <a:lstStyle/>
+          <a:p>
+            <a:pPr algn="ctr"/>
+            <a:endParaRPr lang="en-US" dirty="0"/>
+          </a:p>
+        </p:txBody>
+      </p:sp>
+      <p:pic>
+        <p:nvPicPr>
+          <p:cNvPr id="7" name="Picture 6">
+            <a:extLst>
+              <a:ext uri="{FF2B5EF4-FFF2-40B4-BE49-F238E27FC236}">
+                <a16:creationId xmlns:a16="http://schemas.microsoft.com/office/drawing/2014/main" id="{B6A8C065-A0BB-45CC-A9DD-12AB3B440C63}"/>
+              </a:ext>
+            </a:extLst>
+          </p:cNvPr>
+          <p:cNvPicPr>
+            <a:picLocks noChangeAspect="1"/>
+          </p:cNvPicPr>
+          <p:nvPr/>
+        </p:nvPicPr>
+        <p:blipFill rotWithShape="1">
+          <a:blip r:embed="rId4"/>
+          <a:srcRect t="3034" r="-3" b="388"/>
+          <a:stretch/>
+        </p:blipFill>
+        <p:spPr>
+          <a:xfrm>
+            <a:off x="6261607" y="1"/>
+            <a:ext cx="3519312" cy="3007909"/>
+          </a:xfrm>
+          <a:custGeom>
+            <a:avLst/>
+            <a:gdLst/>
+            <a:ahLst/>
+            <a:cxnLst/>
+            <a:rect l="l" t="t" r="r" b="b"/>
+            <a:pathLst>
+              <a:path w="3519312" h="3007909">
+                <a:moveTo>
+                  <a:pt x="519780" y="0"/>
+                </a:moveTo>
+                <a:lnTo>
+                  <a:pt x="2999532" y="0"/>
+                </a:lnTo>
+                <a:lnTo>
+                  <a:pt x="3003921" y="3989"/>
+                </a:lnTo>
+                <a:cubicBezTo>
+                  <a:pt x="3322356" y="322424"/>
+                  <a:pt x="3519312" y="762338"/>
+                  <a:pt x="3519312" y="1248253"/>
+                </a:cubicBezTo>
+                <a:cubicBezTo>
+                  <a:pt x="3519312" y="2220084"/>
+                  <a:pt x="2731487" y="3007909"/>
+                  <a:pt x="1759656" y="3007909"/>
+                </a:cubicBezTo>
+                <a:cubicBezTo>
+                  <a:pt x="787826" y="3007909"/>
+                  <a:pt x="0" y="2220084"/>
+                  <a:pt x="0" y="1248253"/>
+                </a:cubicBezTo>
+                <a:cubicBezTo>
+                  <a:pt x="0" y="762338"/>
+                  <a:pt x="196957" y="322424"/>
+                  <a:pt x="515392" y="3989"/>
+                </a:cubicBezTo>
+                <a:close/>
+              </a:path>
+            </a:pathLst>
+          </a:custGeom>
         </p:spPr>
       </p:pic>
     </p:spTree>
@@ -14494,6 +15053,340 @@
           <p:cNvPr id="2" name="Title 1">
             <a:extLst>
               <a:ext uri="{FF2B5EF4-FFF2-40B4-BE49-F238E27FC236}">
+                <a16:creationId xmlns:a16="http://schemas.microsoft.com/office/drawing/2014/main" id="{4BD9B263-943F-42B7-9347-FB4700FE1624}"/>
+              </a:ext>
+            </a:extLst>
+          </p:cNvPr>
+          <p:cNvSpPr>
+            <a:spLocks noGrp="1"/>
+          </p:cNvSpPr>
+          <p:nvPr>
+            <p:ph type="title"/>
+          </p:nvPr>
+        </p:nvSpPr>
+        <p:spPr/>
+        <p:txBody>
+          <a:bodyPr/>
+          <a:lstStyle/>
+          <a:p>
+            <a:r>
+              <a:rPr lang="en-US"/>
+              <a:t>List Comprehension – Filter out vowels</a:t>
+            </a:r>
+          </a:p>
+        </p:txBody>
+      </p:sp>
+      <p:sp>
+        <p:nvSpPr>
+          <p:cNvPr id="3" name="Content Placeholder 2">
+            <a:extLst>
+              <a:ext uri="{FF2B5EF4-FFF2-40B4-BE49-F238E27FC236}">
+                <a16:creationId xmlns:a16="http://schemas.microsoft.com/office/drawing/2014/main" id="{E52E8A91-A97A-4728-A507-7CA113C98BC8}"/>
+              </a:ext>
+            </a:extLst>
+          </p:cNvPr>
+          <p:cNvSpPr>
+            <a:spLocks noGrp="1"/>
+          </p:cNvSpPr>
+          <p:nvPr>
+            <p:ph idx="1"/>
+          </p:nvPr>
+        </p:nvSpPr>
+        <p:spPr/>
+        <p:txBody>
+          <a:bodyPr>
+            <a:normAutofit/>
+          </a:bodyPr>
+          <a:lstStyle/>
+          <a:p>
+            <a:pPr marL="0" indent="0">
+              <a:buNone/>
+            </a:pPr>
+            <a:r>
+              <a:rPr lang="en-US" sz="2000"/>
+              <a:t># List Comprehension - filter out vowels</a:t>
+            </a:r>
+          </a:p>
+          <a:p>
+            <a:pPr marL="0" indent="0">
+              <a:buNone/>
+            </a:pPr>
+            <a:r>
+              <a:rPr lang="en-US" sz="2000"/>
+              <a:t>def is_consonant(letter):</a:t>
+            </a:r>
+          </a:p>
+          <a:p>
+            <a:pPr marL="0" indent="0">
+              <a:buNone/>
+            </a:pPr>
+            <a:r>
+              <a:rPr lang="en-US" sz="2000"/>
+              <a:t>    vowels = 'aeiou'</a:t>
+            </a:r>
+          </a:p>
+          <a:p>
+            <a:pPr marL="0" indent="0">
+              <a:buNone/>
+            </a:pPr>
+            <a:r>
+              <a:rPr lang="en-US" sz="2000"/>
+              <a:t>    return letter.isalpha() and letter.lower() not in vowels</a:t>
+            </a:r>
+          </a:p>
+          <a:p>
+            <a:pPr marL="0" indent="0">
+              <a:buNone/>
+            </a:pPr>
+            <a:endParaRPr lang="en-US" sz="2000"/>
+          </a:p>
+          <a:p>
+            <a:pPr marL="0" indent="0">
+              <a:buNone/>
+            </a:pPr>
+            <a:r>
+              <a:rPr lang="en-US" sz="2000"/>
+              <a:t>sentence = "Cincinnati Bearcats will beat Notre Dame."</a:t>
+            </a:r>
+          </a:p>
+          <a:p>
+            <a:pPr marL="0" indent="0">
+              <a:buNone/>
+            </a:pPr>
+            <a:r>
+              <a:rPr lang="en-US" sz="2000"/>
+              <a:t>consonants = [i for i in sentence if is_consonant(i)]</a:t>
+            </a:r>
+          </a:p>
+          <a:p>
+            <a:pPr marL="0" indent="0">
+              <a:buNone/>
+            </a:pPr>
+            <a:r>
+              <a:rPr lang="en-US" sz="2000"/>
+              <a:t>print(consonants)</a:t>
+            </a:r>
+          </a:p>
+        </p:txBody>
+      </p:sp>
+      <p:pic>
+        <p:nvPicPr>
+          <p:cNvPr id="5" name="Picture 4" descr="Screen snip of code and output">
+            <a:extLst>
+              <a:ext uri="{FF2B5EF4-FFF2-40B4-BE49-F238E27FC236}">
+                <a16:creationId xmlns:a16="http://schemas.microsoft.com/office/drawing/2014/main" id="{B91E9719-BA03-4F54-929E-BDC136E7FBE8}"/>
+              </a:ext>
+            </a:extLst>
+          </p:cNvPr>
+          <p:cNvPicPr>
+            <a:picLocks noChangeAspect="1"/>
+          </p:cNvPicPr>
+          <p:nvPr/>
+        </p:nvPicPr>
+        <p:blipFill>
+          <a:blip r:embed="rId2"/>
+          <a:stretch>
+            <a:fillRect/>
+          </a:stretch>
+        </p:blipFill>
+        <p:spPr>
+          <a:xfrm>
+            <a:off x="3430466" y="4739420"/>
+            <a:ext cx="8267700" cy="1933575"/>
+          </a:xfrm>
+          <a:prstGeom prst="rect">
+            <a:avLst/>
+          </a:prstGeom>
+          <a:effectLst>
+            <a:outerShdw blurRad="50800" dist="38100" dir="8100000" algn="tr" rotWithShape="0">
+              <a:prstClr val="black">
+                <a:alpha val="40000"/>
+              </a:prstClr>
+            </a:outerShdw>
+          </a:effectLst>
+        </p:spPr>
+      </p:pic>
+    </p:spTree>
+    <p:extLst>
+      <p:ext uri="{BB962C8B-B14F-4D97-AF65-F5344CB8AC3E}">
+        <p14:creationId xmlns:p14="http://schemas.microsoft.com/office/powerpoint/2010/main" val="2514419894"/>
+      </p:ext>
+    </p:extLst>
+  </p:cSld>
+  <p:clrMapOvr>
+    <a:masterClrMapping/>
+  </p:clrMapOvr>
+</p:sld>
+</file>
+
+<file path=ppt/slides/slide34.xml><?xml version="1.0" encoding="utf-8"?>
+<p:sld xmlns:a="http://schemas.openxmlformats.org/drawingml/2006/main" xmlns:r="http://schemas.openxmlformats.org/officeDocument/2006/relationships" xmlns:p="http://schemas.openxmlformats.org/presentationml/2006/main">
+  <p:cSld>
+    <p:spTree>
+      <p:nvGrpSpPr>
+        <p:cNvPr id="1" name=""/>
+        <p:cNvGrpSpPr/>
+        <p:nvPr/>
+      </p:nvGrpSpPr>
+      <p:grpSpPr>
+        <a:xfrm>
+          <a:off x="0" y="0"/>
+          <a:ext cx="0" cy="0"/>
+          <a:chOff x="0" y="0"/>
+          <a:chExt cx="0" cy="0"/>
+        </a:xfrm>
+      </p:grpSpPr>
+      <p:sp>
+        <p:nvSpPr>
+          <p:cNvPr id="2" name="Title 1">
+            <a:extLst>
+              <a:ext uri="{FF2B5EF4-FFF2-40B4-BE49-F238E27FC236}">
+                <a16:creationId xmlns:a16="http://schemas.microsoft.com/office/drawing/2014/main" id="{88C7D9C5-5162-4921-A273-E6A577B336BF}"/>
+              </a:ext>
+            </a:extLst>
+          </p:cNvPr>
+          <p:cNvSpPr>
+            <a:spLocks noGrp="1"/>
+          </p:cNvSpPr>
+          <p:nvPr>
+            <p:ph type="title"/>
+          </p:nvPr>
+        </p:nvSpPr>
+        <p:spPr/>
+        <p:txBody>
+          <a:bodyPr>
+            <a:normAutofit/>
+          </a:bodyPr>
+          <a:lstStyle/>
+          <a:p>
+            <a:r>
+              <a:rPr lang="en-US" sz="4000"/>
+              <a:t>List Comprehension – Compute a list of squares</a:t>
+            </a:r>
+          </a:p>
+        </p:txBody>
+      </p:sp>
+      <p:sp>
+        <p:nvSpPr>
+          <p:cNvPr id="3" name="Content Placeholder 2">
+            <a:extLst>
+              <a:ext uri="{FF2B5EF4-FFF2-40B4-BE49-F238E27FC236}">
+                <a16:creationId xmlns:a16="http://schemas.microsoft.com/office/drawing/2014/main" id="{80DAE8BD-DA5E-4F85-933D-B2225B53D824}"/>
+              </a:ext>
+            </a:extLst>
+          </p:cNvPr>
+          <p:cNvSpPr>
+            <a:spLocks noGrp="1"/>
+          </p:cNvSpPr>
+          <p:nvPr>
+            <p:ph idx="1"/>
+          </p:nvPr>
+        </p:nvSpPr>
+        <p:spPr/>
+        <p:txBody>
+          <a:bodyPr/>
+          <a:lstStyle/>
+          <a:p>
+            <a:pPr marL="0" indent="0">
+              <a:buNone/>
+            </a:pPr>
+            <a:r>
+              <a:rPr lang="en-US"/>
+              <a:t># Compute a list of squares</a:t>
+            </a:r>
+          </a:p>
+          <a:p>
+            <a:pPr marL="0" indent="0">
+              <a:buNone/>
+            </a:pPr>
+            <a:r>
+              <a:rPr lang="en-US"/>
+              <a:t>myList = [x*x for x in range(1,11)]</a:t>
+            </a:r>
+          </a:p>
+          <a:p>
+            <a:pPr marL="0" indent="0">
+              <a:buNone/>
+            </a:pPr>
+            <a:r>
+              <a:rPr lang="en-US"/>
+              <a:t>print(myList)</a:t>
+            </a:r>
+          </a:p>
+        </p:txBody>
+      </p:sp>
+      <p:pic>
+        <p:nvPicPr>
+          <p:cNvPr id="5" name="Picture 4" descr="Screen snip of code and output">
+            <a:extLst>
+              <a:ext uri="{FF2B5EF4-FFF2-40B4-BE49-F238E27FC236}">
+                <a16:creationId xmlns:a16="http://schemas.microsoft.com/office/drawing/2014/main" id="{69416A91-B54A-4E09-B593-E4443C63C0F5}"/>
+              </a:ext>
+            </a:extLst>
+          </p:cNvPr>
+          <p:cNvPicPr>
+            <a:picLocks noChangeAspect="1"/>
+          </p:cNvPicPr>
+          <p:nvPr/>
+        </p:nvPicPr>
+        <p:blipFill>
+          <a:blip r:embed="rId2"/>
+          <a:stretch>
+            <a:fillRect/>
+          </a:stretch>
+        </p:blipFill>
+        <p:spPr>
+          <a:xfrm>
+            <a:off x="6290119" y="4277868"/>
+            <a:ext cx="3152775" cy="1047750"/>
+          </a:xfrm>
+          <a:prstGeom prst="rect">
+            <a:avLst/>
+          </a:prstGeom>
+          <a:effectLst>
+            <a:outerShdw blurRad="50800" dist="38100" dir="8100000" algn="tr" rotWithShape="0">
+              <a:prstClr val="black">
+                <a:alpha val="40000"/>
+              </a:prstClr>
+            </a:outerShdw>
+          </a:effectLst>
+        </p:spPr>
+      </p:pic>
+    </p:spTree>
+    <p:extLst>
+      <p:ext uri="{BB962C8B-B14F-4D97-AF65-F5344CB8AC3E}">
+        <p14:creationId xmlns:p14="http://schemas.microsoft.com/office/powerpoint/2010/main" val="2668134521"/>
+      </p:ext>
+    </p:extLst>
+  </p:cSld>
+  <p:clrMapOvr>
+    <a:masterClrMapping/>
+  </p:clrMapOvr>
+</p:sld>
+</file>
+
+<file path=ppt/slides/slide35.xml><?xml version="1.0" encoding="utf-8"?>
+<p:sld xmlns:a="http://schemas.openxmlformats.org/drawingml/2006/main" xmlns:r="http://schemas.openxmlformats.org/officeDocument/2006/relationships" xmlns:p="http://schemas.openxmlformats.org/presentationml/2006/main">
+  <p:cSld>
+    <p:spTree>
+      <p:nvGrpSpPr>
+        <p:cNvPr id="1" name=""/>
+        <p:cNvGrpSpPr/>
+        <p:nvPr/>
+      </p:nvGrpSpPr>
+      <p:grpSpPr>
+        <a:xfrm>
+          <a:off x="0" y="0"/>
+          <a:ext cx="0" cy="0"/>
+          <a:chOff x="0" y="0"/>
+          <a:chExt cx="0" cy="0"/>
+        </a:xfrm>
+      </p:grpSpPr>
+      <p:sp>
+        <p:nvSpPr>
+          <p:cNvPr id="2" name="Title 1">
+            <a:extLst>
+              <a:ext uri="{FF2B5EF4-FFF2-40B4-BE49-F238E27FC236}">
                 <a16:creationId xmlns:a16="http://schemas.microsoft.com/office/drawing/2014/main" id="{62DC9FCB-A413-4292-A761-5607E6D232A4}"/>
               </a:ext>
             </a:extLst>
@@ -14686,7 +15579,7 @@
 </p:sld>
 </file>
 
-<file path=ppt/slides/slide34.xml><?xml version="1.0" encoding="utf-8"?>
+<file path=ppt/slides/slide36.xml><?xml version="1.0" encoding="utf-8"?>
 <p:sld xmlns:a="http://schemas.openxmlformats.org/drawingml/2006/main" xmlns:r="http://schemas.openxmlformats.org/officeDocument/2006/relationships" xmlns:p="http://schemas.openxmlformats.org/presentationml/2006/main">
   <p:cSld>
     <p:bg>
@@ -14822,6 +15715,17 @@
               </a:rPr>
             </a:br>
             <a:r>
+              <a:rPr lang="en-US" sz="3300" kern="1200">
+                <a:solidFill>
+                  <a:schemeClr val="tx1"/>
+                </a:solidFill>
+                <a:latin typeface="+mj-lt"/>
+                <a:ea typeface="+mj-ea"/>
+                <a:cs typeface="+mj-cs"/>
+              </a:rPr>
+              <a:t>Add 200,000,000 </a:t>
+            </a:r>
+            <a:r>
               <a:rPr lang="en-US" sz="3300" kern="1200" dirty="0">
                 <a:solidFill>
                   <a:schemeClr val="tx1"/>
@@ -14830,7 +15734,7 @@
                 <a:ea typeface="+mj-ea"/>
                 <a:cs typeface="+mj-cs"/>
               </a:rPr>
-              <a:t>Add 200000000 elements to a Python List, then a Java ArrayList. </a:t>
+              <a:t>elements to a Python List, then a Java ArrayList. </a:t>
             </a:r>
           </a:p>
         </p:txBody>
@@ -14850,7 +15754,7 @@
           <p:nvPr/>
         </p:nvPicPr>
         <p:blipFill rotWithShape="1">
-          <a:blip r:embed="rId2"/>
+          <a:blip r:embed="rId3"/>
           <a:srcRect r="5649" b="1"/>
           <a:stretch/>
         </p:blipFill>
@@ -14879,7 +15783,7 @@
           <p:nvPr/>
         </p:nvPicPr>
         <p:blipFill rotWithShape="1">
-          <a:blip r:embed="rId2"/>
+          <a:blip r:embed="rId3"/>
           <a:srcRect r="5649" b="1"/>
           <a:stretch/>
         </p:blipFill>
@@ -14915,7 +15819,7 @@
           <p:nvPr/>
         </p:nvPicPr>
         <p:blipFill>
-          <a:blip r:embed="rId3"/>
+          <a:blip r:embed="rId4"/>
           <a:stretch>
             <a:fillRect/>
           </a:stretch>
@@ -15217,7 +16121,7 @@
 </p:sld>
 </file>
 
-<file path=ppt/slides/slide35.xml><?xml version="1.0" encoding="utf-8"?>
+<file path=ppt/slides/slide37.xml><?xml version="1.0" encoding="utf-8"?>
 <p:sld xmlns:a="http://schemas.openxmlformats.org/drawingml/2006/main" xmlns:r="http://schemas.openxmlformats.org/officeDocument/2006/relationships" xmlns:p="http://schemas.openxmlformats.org/presentationml/2006/main">
   <p:cSld>
     <p:spTree>
@@ -15239,6 +16143,64 @@
           <p:cNvPr id="2" name="Title 1">
             <a:extLst>
               <a:ext uri="{FF2B5EF4-FFF2-40B4-BE49-F238E27FC236}">
+                <a16:creationId xmlns:a16="http://schemas.microsoft.com/office/drawing/2014/main" id="{470F025A-B4CA-42A2-9DA6-92EBA776F492}"/>
+              </a:ext>
+            </a:extLst>
+          </p:cNvPr>
+          <p:cNvSpPr>
+            <a:spLocks noGrp="1"/>
+          </p:cNvSpPr>
+          <p:nvPr>
+            <p:ph type="title"/>
+          </p:nvPr>
+        </p:nvSpPr>
+        <p:spPr/>
+        <p:txBody>
+          <a:bodyPr/>
+          <a:lstStyle/>
+          <a:p>
+            <a:r>
+              <a:rPr lang="en-US"/>
+              <a:t>Questions?</a:t>
+            </a:r>
+          </a:p>
+        </p:txBody>
+      </p:sp>
+    </p:spTree>
+    <p:extLst>
+      <p:ext uri="{BB962C8B-B14F-4D97-AF65-F5344CB8AC3E}">
+        <p14:creationId xmlns:p14="http://schemas.microsoft.com/office/powerpoint/2010/main" val="1616631465"/>
+      </p:ext>
+    </p:extLst>
+  </p:cSld>
+  <p:clrMapOvr>
+    <a:masterClrMapping/>
+  </p:clrMapOvr>
+</p:sld>
+</file>
+
+<file path=ppt/slides/slide38.xml><?xml version="1.0" encoding="utf-8"?>
+<p:sld xmlns:a="http://schemas.openxmlformats.org/drawingml/2006/main" xmlns:r="http://schemas.openxmlformats.org/officeDocument/2006/relationships" xmlns:p="http://schemas.openxmlformats.org/presentationml/2006/main">
+  <p:cSld>
+    <p:spTree>
+      <p:nvGrpSpPr>
+        <p:cNvPr id="1" name=""/>
+        <p:cNvGrpSpPr/>
+        <p:nvPr/>
+      </p:nvGrpSpPr>
+      <p:grpSpPr>
+        <a:xfrm>
+          <a:off x="0" y="0"/>
+          <a:ext cx="0" cy="0"/>
+          <a:chOff x="0" y="0"/>
+          <a:chExt cx="0" cy="0"/>
+        </a:xfrm>
+      </p:grpSpPr>
+      <p:sp>
+        <p:nvSpPr>
+          <p:cNvPr id="2" name="Title 1">
+            <a:extLst>
+              <a:ext uri="{FF2B5EF4-FFF2-40B4-BE49-F238E27FC236}">
                 <a16:creationId xmlns:a16="http://schemas.microsoft.com/office/drawing/2014/main" id="{6357295F-FC32-4A2D-8D87-B755273A98C0}"/>
               </a:ext>
             </a:extLst>
@@ -15341,8 +16303,43 @@
             </a:pPr>
             <a:r>
               <a:rPr lang="en-US" dirty="0"/>
-              <a:t>[4] https://www.eclipse.org/</a:t>
-            </a:r>
+              <a:t>[4] </a:t>
+            </a:r>
+            <a:r>
+              <a:rPr lang="en-US" dirty="0">
+                <a:hlinkClick r:id="rId5"/>
+              </a:rPr>
+              <a:t>https://www.eclipse.</a:t>
+            </a:r>
+            <a:r>
+              <a:rPr lang="en-US">
+                <a:hlinkClick r:id="rId5"/>
+              </a:rPr>
+              <a:t>org/</a:t>
+            </a:r>
+            <a:endParaRPr lang="en-US"/>
+          </a:p>
+          <a:p>
+            <a:pPr marL="0" indent="0">
+              <a:buNone/>
+            </a:pPr>
+            <a:endParaRPr lang="en-US"/>
+          </a:p>
+          <a:p>
+            <a:pPr marL="0" indent="0">
+              <a:buNone/>
+            </a:pPr>
+            <a:endParaRPr lang="en-US"/>
+          </a:p>
+          <a:p>
+            <a:pPr marL="0" indent="0">
+              <a:buNone/>
+            </a:pPr>
+            <a:r>
+              <a:rPr lang="en-US"/>
+              <a:t>A special thank you to Isaiah Dicristoforo, dicrisif@mail.uc.edu, for his invaluable contributions to the JupyterLab notebook files.</a:t>
+            </a:r>
+            <a:endParaRPr lang="en-US" dirty="0"/>
           </a:p>
         </p:txBody>
       </p:sp>
@@ -15398,9 +16395,10 @@
           <a:lstStyle/>
           <a:p>
             <a:r>
-              <a:rPr lang="en-US" dirty="0"/>
-              <a:t>Not Addressed</a:t>
-            </a:r>
+              <a:rPr lang="en-US"/>
+              <a:t>Not Addressed in this presentation</a:t>
+            </a:r>
+            <a:endParaRPr lang="en-US" dirty="0"/>
           </a:p>
         </p:txBody>
       </p:sp>
@@ -15454,8 +16452,12 @@
           </a:p>
           <a:p>
             <a:r>
+              <a:rPr lang="en-US"/>
+              <a:t>Numpy </a:t>
+            </a:r>
+            <a:r>
               <a:rPr lang="en-US" dirty="0"/>
-              <a:t>NumPy and Pandas</a:t>
+              <a:t>and Pandas</a:t>
             </a:r>
           </a:p>
           <a:p>
@@ -15491,9 +16493,10 @@
             <a:endParaRPr lang="en-US" dirty="0"/>
           </a:p>
           <a:p>
-            <a:pPr marL="0" indent="0">
-              <a:buNone/>
-            </a:pPr>
+            <a:r>
+              <a:rPr lang="en-US"/>
+              <a:t>Differences between Python versions</a:t>
+            </a:r>
             <a:br>
               <a:rPr lang="en-US" dirty="0"/>
             </a:br>
@@ -15662,6 +16665,135 @@
 </file>
 
 <file path=ppt/slides/slide5.xml><?xml version="1.0" encoding="utf-8"?>
+<p:sld xmlns:a="http://schemas.openxmlformats.org/drawingml/2006/main" xmlns:r="http://schemas.openxmlformats.org/officeDocument/2006/relationships" xmlns:p="http://schemas.openxmlformats.org/presentationml/2006/main">
+  <p:cSld>
+    <p:spTree>
+      <p:nvGrpSpPr>
+        <p:cNvPr id="1" name=""/>
+        <p:cNvGrpSpPr/>
+        <p:nvPr/>
+      </p:nvGrpSpPr>
+      <p:grpSpPr>
+        <a:xfrm>
+          <a:off x="0" y="0"/>
+          <a:ext cx="0" cy="0"/>
+          <a:chOff x="0" y="0"/>
+          <a:chExt cx="0" cy="0"/>
+        </a:xfrm>
+      </p:grpSpPr>
+      <p:sp>
+        <p:nvSpPr>
+          <p:cNvPr id="2" name="Title 1">
+            <a:extLst>
+              <a:ext uri="{FF2B5EF4-FFF2-40B4-BE49-F238E27FC236}">
+                <a16:creationId xmlns:a16="http://schemas.microsoft.com/office/drawing/2014/main" id="{70693245-D844-4E5E-977D-8BE7164AAC07}"/>
+              </a:ext>
+            </a:extLst>
+          </p:cNvPr>
+          <p:cNvSpPr>
+            <a:spLocks noGrp="1"/>
+          </p:cNvSpPr>
+          <p:nvPr>
+            <p:ph type="title"/>
+          </p:nvPr>
+        </p:nvSpPr>
+        <p:spPr/>
+        <p:txBody>
+          <a:bodyPr/>
+          <a:lstStyle/>
+          <a:p>
+            <a:r>
+              <a:rPr lang="en-US" dirty="0"/>
+              <a:t>Presentation Materials</a:t>
+            </a:r>
+          </a:p>
+        </p:txBody>
+      </p:sp>
+      <p:sp>
+        <p:nvSpPr>
+          <p:cNvPr id="3" name="Content Placeholder 2">
+            <a:extLst>
+              <a:ext uri="{FF2B5EF4-FFF2-40B4-BE49-F238E27FC236}">
+                <a16:creationId xmlns:a16="http://schemas.microsoft.com/office/drawing/2014/main" id="{E214A0A3-3E0D-4C69-9D67-CF3A80977D0F}"/>
+              </a:ext>
+            </a:extLst>
+          </p:cNvPr>
+          <p:cNvSpPr>
+            <a:spLocks noGrp="1"/>
+          </p:cNvSpPr>
+          <p:nvPr>
+            <p:ph idx="1"/>
+          </p:nvPr>
+        </p:nvSpPr>
+        <p:spPr/>
+        <p:txBody>
+          <a:bodyPr/>
+          <a:lstStyle/>
+          <a:p>
+            <a:pPr marL="0" indent="0">
+              <a:buNone/>
+            </a:pPr>
+            <a:r>
+              <a:rPr lang="en-US" dirty="0">
+                <a:hlinkClick r:id="rId2"/>
+              </a:rPr>
+              <a:t>https://github.com/nicomp42/CCSCMidwest2021Tutorial</a:t>
+            </a:r>
+            <a:endParaRPr lang="en-US" dirty="0"/>
+          </a:p>
+        </p:txBody>
+      </p:sp>
+      <p:pic>
+        <p:nvPicPr>
+          <p:cNvPr id="5" name="Picture 4" descr="Snip of the URL">
+            <a:extLst>
+              <a:ext uri="{FF2B5EF4-FFF2-40B4-BE49-F238E27FC236}">
+                <a16:creationId xmlns:a16="http://schemas.microsoft.com/office/drawing/2014/main" id="{D8C35556-866D-41AD-9429-085B24DCB4CA}"/>
+              </a:ext>
+            </a:extLst>
+          </p:cNvPr>
+          <p:cNvPicPr>
+            <a:picLocks noChangeAspect="1"/>
+          </p:cNvPicPr>
+          <p:nvPr/>
+        </p:nvPicPr>
+        <p:blipFill>
+          <a:blip r:embed="rId3"/>
+          <a:stretch>
+            <a:fillRect/>
+          </a:stretch>
+        </p:blipFill>
+        <p:spPr>
+          <a:xfrm>
+            <a:off x="975360" y="3106916"/>
+            <a:ext cx="7827508" cy="2351371"/>
+          </a:xfrm>
+          <a:prstGeom prst="rect">
+            <a:avLst/>
+          </a:prstGeom>
+          <a:effectLst>
+            <a:outerShdw blurRad="50800" dist="38100" dir="8100000" algn="tr" rotWithShape="0">
+              <a:prstClr val="black">
+                <a:alpha val="40000"/>
+              </a:prstClr>
+            </a:outerShdw>
+          </a:effectLst>
+        </p:spPr>
+      </p:pic>
+    </p:spTree>
+    <p:extLst>
+      <p:ext uri="{BB962C8B-B14F-4D97-AF65-F5344CB8AC3E}">
+        <p14:creationId xmlns:p14="http://schemas.microsoft.com/office/powerpoint/2010/main" val="1355857712"/>
+      </p:ext>
+    </p:extLst>
+  </p:cSld>
+  <p:clrMapOvr>
+    <a:masterClrMapping/>
+  </p:clrMapOvr>
+</p:sld>
+</file>
+
+<file path=ppt/slides/slide6.xml><?xml version="1.0" encoding="utf-8"?>
 <p:sld xmlns:a="http://schemas.openxmlformats.org/drawingml/2006/main" xmlns:r="http://schemas.openxmlformats.org/officeDocument/2006/relationships" xmlns:p="http://schemas.openxmlformats.org/presentationml/2006/main">
   <p:cSld>
     <p:spTree>
@@ -15994,135 +17126,6 @@
     <p:extLst>
       <p:ext uri="{BB962C8B-B14F-4D97-AF65-F5344CB8AC3E}">
         <p14:creationId xmlns:p14="http://schemas.microsoft.com/office/powerpoint/2010/main" val="1795967280"/>
-      </p:ext>
-    </p:extLst>
-  </p:cSld>
-  <p:clrMapOvr>
-    <a:masterClrMapping/>
-  </p:clrMapOvr>
-</p:sld>
-</file>
-
-<file path=ppt/slides/slide6.xml><?xml version="1.0" encoding="utf-8"?>
-<p:sld xmlns:a="http://schemas.openxmlformats.org/drawingml/2006/main" xmlns:r="http://schemas.openxmlformats.org/officeDocument/2006/relationships" xmlns:p="http://schemas.openxmlformats.org/presentationml/2006/main">
-  <p:cSld>
-    <p:spTree>
-      <p:nvGrpSpPr>
-        <p:cNvPr id="1" name=""/>
-        <p:cNvGrpSpPr/>
-        <p:nvPr/>
-      </p:nvGrpSpPr>
-      <p:grpSpPr>
-        <a:xfrm>
-          <a:off x="0" y="0"/>
-          <a:ext cx="0" cy="0"/>
-          <a:chOff x="0" y="0"/>
-          <a:chExt cx="0" cy="0"/>
-        </a:xfrm>
-      </p:grpSpPr>
-      <p:sp>
-        <p:nvSpPr>
-          <p:cNvPr id="2" name="Title 1">
-            <a:extLst>
-              <a:ext uri="{FF2B5EF4-FFF2-40B4-BE49-F238E27FC236}">
-                <a16:creationId xmlns:a16="http://schemas.microsoft.com/office/drawing/2014/main" id="{70693245-D844-4E5E-977D-8BE7164AAC07}"/>
-              </a:ext>
-            </a:extLst>
-          </p:cNvPr>
-          <p:cNvSpPr>
-            <a:spLocks noGrp="1"/>
-          </p:cNvSpPr>
-          <p:nvPr>
-            <p:ph type="title"/>
-          </p:nvPr>
-        </p:nvSpPr>
-        <p:spPr/>
-        <p:txBody>
-          <a:bodyPr/>
-          <a:lstStyle/>
-          <a:p>
-            <a:r>
-              <a:rPr lang="en-US" dirty="0"/>
-              <a:t>Presentation Materials</a:t>
-            </a:r>
-          </a:p>
-        </p:txBody>
-      </p:sp>
-      <p:sp>
-        <p:nvSpPr>
-          <p:cNvPr id="3" name="Content Placeholder 2">
-            <a:extLst>
-              <a:ext uri="{FF2B5EF4-FFF2-40B4-BE49-F238E27FC236}">
-                <a16:creationId xmlns:a16="http://schemas.microsoft.com/office/drawing/2014/main" id="{E214A0A3-3E0D-4C69-9D67-CF3A80977D0F}"/>
-              </a:ext>
-            </a:extLst>
-          </p:cNvPr>
-          <p:cNvSpPr>
-            <a:spLocks noGrp="1"/>
-          </p:cNvSpPr>
-          <p:nvPr>
-            <p:ph idx="1"/>
-          </p:nvPr>
-        </p:nvSpPr>
-        <p:spPr/>
-        <p:txBody>
-          <a:bodyPr/>
-          <a:lstStyle/>
-          <a:p>
-            <a:pPr marL="0" indent="0">
-              <a:buNone/>
-            </a:pPr>
-            <a:r>
-              <a:rPr lang="en-US" dirty="0">
-                <a:hlinkClick r:id="rId2"/>
-              </a:rPr>
-              <a:t>https://github.com/nicomp42/CCSCMidwest2021Tutorial</a:t>
-            </a:r>
-            <a:endParaRPr lang="en-US" dirty="0"/>
-          </a:p>
-        </p:txBody>
-      </p:sp>
-      <p:pic>
-        <p:nvPicPr>
-          <p:cNvPr id="5" name="Picture 4" descr="Snip of the URL">
-            <a:extLst>
-              <a:ext uri="{FF2B5EF4-FFF2-40B4-BE49-F238E27FC236}">
-                <a16:creationId xmlns:a16="http://schemas.microsoft.com/office/drawing/2014/main" id="{D8C35556-866D-41AD-9429-085B24DCB4CA}"/>
-              </a:ext>
-            </a:extLst>
-          </p:cNvPr>
-          <p:cNvPicPr>
-            <a:picLocks noChangeAspect="1"/>
-          </p:cNvPicPr>
-          <p:nvPr/>
-        </p:nvPicPr>
-        <p:blipFill>
-          <a:blip r:embed="rId3"/>
-          <a:stretch>
-            <a:fillRect/>
-          </a:stretch>
-        </p:blipFill>
-        <p:spPr>
-          <a:xfrm>
-            <a:off x="975360" y="3106916"/>
-            <a:ext cx="7827508" cy="2351371"/>
-          </a:xfrm>
-          <a:prstGeom prst="rect">
-            <a:avLst/>
-          </a:prstGeom>
-          <a:effectLst>
-            <a:outerShdw blurRad="50800" dist="38100" dir="8100000" algn="tr" rotWithShape="0">
-              <a:prstClr val="black">
-                <a:alpha val="40000"/>
-              </a:prstClr>
-            </a:outerShdw>
-          </a:effectLst>
-        </p:spPr>
-      </p:pic>
-    </p:spTree>
-    <p:extLst>
-      <p:ext uri="{BB962C8B-B14F-4D97-AF65-F5344CB8AC3E}">
-        <p14:creationId xmlns:p14="http://schemas.microsoft.com/office/powerpoint/2010/main" val="1355857712"/>
       </p:ext>
     </p:extLst>
   </p:cSld>
